--- a/Presentacion.pptx
+++ b/Presentacion.pptx
@@ -201,7 +201,7 @@
           <a:p>
             <a:fld id="{A5C20BB3-3CCB-4FE5-991B-82F6BCB48AF3}" type="datetimeFigureOut">
               <a:rPr lang="en-US" smtClean="0"/>
-              <a:t>11/25/2021</a:t>
+              <a:t>11/26/2021</a:t>
             </a:fld>
             <a:endParaRPr lang="en-US"/>
           </a:p>
@@ -928,7 +928,7 @@
             <a:fld id="{B61BEF0D-F0BB-DE4B-95CE-6DB70DBA9567}" type="datetimeFigureOut">
               <a:rPr lang="en-US" dirty="0"/>
               <a:pPr/>
-              <a:t>11/25/2021</a:t>
+              <a:t>11/26/2021</a:t>
             </a:fld>
             <a:endParaRPr lang="en-US" dirty="0"/>
           </a:p>
@@ -1192,7 +1192,7 @@
             <a:fld id="{B61BEF0D-F0BB-DE4B-95CE-6DB70DBA9567}" type="datetimeFigureOut">
               <a:rPr lang="en-US" dirty="0"/>
               <a:pPr/>
-              <a:t>11/25/2021</a:t>
+              <a:t>11/26/2021</a:t>
             </a:fld>
             <a:endParaRPr lang="en-US" dirty="0"/>
           </a:p>
@@ -1429,7 +1429,7 @@
             <a:fld id="{B61BEF0D-F0BB-DE4B-95CE-6DB70DBA9567}" type="datetimeFigureOut">
               <a:rPr lang="en-US" dirty="0"/>
               <a:pPr/>
-              <a:t>11/25/2021</a:t>
+              <a:t>11/26/2021</a:t>
             </a:fld>
             <a:endParaRPr lang="en-US" dirty="0"/>
           </a:p>
@@ -1671,7 +1671,7 @@
             <a:fld id="{B61BEF0D-F0BB-DE4B-95CE-6DB70DBA9567}" type="datetimeFigureOut">
               <a:rPr lang="en-US" dirty="0"/>
               <a:pPr/>
-              <a:t>11/25/2021</a:t>
+              <a:t>11/26/2021</a:t>
             </a:fld>
             <a:endParaRPr lang="en-US" dirty="0"/>
           </a:p>
@@ -1980,7 +1980,7 @@
             <a:fld id="{B61BEF0D-F0BB-DE4B-95CE-6DB70DBA9567}" type="datetimeFigureOut">
               <a:rPr lang="en-US" dirty="0"/>
               <a:pPr/>
-              <a:t>11/25/2021</a:t>
+              <a:t>11/26/2021</a:t>
             </a:fld>
             <a:endParaRPr lang="en-US" dirty="0"/>
           </a:p>
@@ -2284,7 +2284,7 @@
             <a:fld id="{B61BEF0D-F0BB-DE4B-95CE-6DB70DBA9567}" type="datetimeFigureOut">
               <a:rPr lang="en-US" dirty="0"/>
               <a:pPr/>
-              <a:t>11/25/2021</a:t>
+              <a:t>11/26/2021</a:t>
             </a:fld>
             <a:endParaRPr lang="en-US" dirty="0"/>
           </a:p>
@@ -2708,7 +2708,7 @@
             <a:fld id="{B61BEF0D-F0BB-DE4B-95CE-6DB70DBA9567}" type="datetimeFigureOut">
               <a:rPr lang="en-US" dirty="0"/>
               <a:pPr/>
-              <a:t>11/25/2021</a:t>
+              <a:t>11/26/2021</a:t>
             </a:fld>
             <a:endParaRPr lang="en-US" dirty="0"/>
           </a:p>
@@ -2872,7 +2872,7 @@
             <a:fld id="{B61BEF0D-F0BB-DE4B-95CE-6DB70DBA9567}" type="datetimeFigureOut">
               <a:rPr lang="en-US" dirty="0"/>
               <a:pPr/>
-              <a:t>11/25/2021</a:t>
+              <a:t>11/26/2021</a:t>
             </a:fld>
             <a:endParaRPr lang="en-US" dirty="0"/>
           </a:p>
@@ -2969,7 +2969,7 @@
             <a:fld id="{B61BEF0D-F0BB-DE4B-95CE-6DB70DBA9567}" type="datetimeFigureOut">
               <a:rPr lang="en-US" dirty="0"/>
               <a:pPr/>
-              <a:t>11/25/2021</a:t>
+              <a:t>11/26/2021</a:t>
             </a:fld>
             <a:endParaRPr lang="en-US" dirty="0"/>
           </a:p>
@@ -3349,7 +3349,7 @@
             <a:fld id="{B61BEF0D-F0BB-DE4B-95CE-6DB70DBA9567}" type="datetimeFigureOut">
               <a:rPr lang="en-US" dirty="0"/>
               <a:pPr/>
-              <a:t>11/25/2021</a:t>
+              <a:t>11/26/2021</a:t>
             </a:fld>
             <a:endParaRPr lang="en-US" dirty="0"/>
           </a:p>
@@ -3640,7 +3640,7 @@
             <a:fld id="{B61BEF0D-F0BB-DE4B-95CE-6DB70DBA9567}" type="datetimeFigureOut">
               <a:rPr lang="en-US" dirty="0"/>
               <a:pPr/>
-              <a:t>11/25/2021</a:t>
+              <a:t>11/26/2021</a:t>
             </a:fld>
             <a:endParaRPr lang="en-US" dirty="0"/>
           </a:p>
@@ -3853,7 +3853,7 @@
             <a:fld id="{B61BEF0D-F0BB-DE4B-95CE-6DB70DBA9567}" type="datetimeFigureOut">
               <a:rPr lang="en-US" dirty="0"/>
               <a:pPr/>
-              <a:t>11/25/2021</a:t>
+              <a:t>11/26/2021</a:t>
             </a:fld>
             <a:endParaRPr lang="en-US" dirty="0"/>
           </a:p>
@@ -7497,6 +7497,110 @@
                 <a:spcPct val="90000"/>
               </a:lnSpc>
             </a:pPr>
+            <a:r>
+              <a:rPr lang="en-US" sz="2000" dirty="0" err="1"/>
+              <a:t>Hacer</a:t>
+            </a:r>
+            <a:r>
+              <a:rPr lang="en-US" sz="2000" dirty="0"/>
+              <a:t> </a:t>
+            </a:r>
+            <a:r>
+              <a:rPr lang="en-US" sz="2000" dirty="0" err="1"/>
+              <a:t>todo</a:t>
+            </a:r>
+            <a:r>
+              <a:rPr lang="en-US" sz="2000" dirty="0"/>
+              <a:t> </a:t>
+            </a:r>
+            <a:r>
+              <a:rPr lang="en-US" sz="2000" dirty="0" err="1"/>
+              <a:t>el</a:t>
+            </a:r>
+            <a:r>
+              <a:rPr lang="en-US" sz="2000" dirty="0"/>
+              <a:t> </a:t>
+            </a:r>
+            <a:r>
+              <a:rPr lang="en-US" sz="2000" dirty="0" err="1"/>
+              <a:t>proceso</a:t>
+            </a:r>
+            <a:r>
+              <a:rPr lang="en-US" sz="2000" dirty="0"/>
+              <a:t> </a:t>
+            </a:r>
+            <a:r>
+              <a:rPr lang="en-US" sz="2000" dirty="0" err="1"/>
+              <a:t>como</a:t>
+            </a:r>
+            <a:r>
+              <a:rPr lang="en-US" sz="2000" dirty="0"/>
+              <a:t> del </a:t>
+            </a:r>
+            <a:r>
+              <a:rPr lang="en-US" sz="2000" dirty="0" err="1"/>
+              <a:t>proyecto</a:t>
+            </a:r>
+            <a:r>
+              <a:rPr lang="en-US" sz="2000" dirty="0"/>
+              <a:t>, no solo </a:t>
+            </a:r>
+            <a:r>
+              <a:rPr lang="en-US" sz="2000" dirty="0" err="1"/>
+              <a:t>el</a:t>
+            </a:r>
+            <a:r>
+              <a:rPr lang="en-US" sz="2000" dirty="0"/>
+              <a:t> </a:t>
+            </a:r>
+            <a:r>
+              <a:rPr lang="en-US" sz="2000" dirty="0" err="1"/>
+              <a:t>prototipo</a:t>
+            </a:r>
+            <a:r>
+              <a:rPr lang="en-US" sz="2000" dirty="0"/>
+              <a:t>, no </a:t>
+            </a:r>
+            <a:r>
+              <a:rPr lang="en-US" sz="2000" dirty="0" err="1"/>
+              <a:t>quedarnos</a:t>
+            </a:r>
+            <a:r>
+              <a:rPr lang="en-US" sz="2000" dirty="0"/>
+              <a:t> con </a:t>
+            </a:r>
+            <a:r>
+              <a:rPr lang="en-US" sz="2000" dirty="0" err="1"/>
+              <a:t>supuestos</a:t>
+            </a:r>
+            <a:endParaRPr lang="en-US" sz="2000" dirty="0"/>
+          </a:p>
+          <a:p>
+            <a:pPr>
+              <a:lnSpc>
+                <a:spcPct val="90000"/>
+              </a:lnSpc>
+            </a:pPr>
+            <a:r>
+              <a:rPr lang="en-US" sz="2000" dirty="0" err="1"/>
+              <a:t>Mejor</a:t>
+            </a:r>
+            <a:r>
+              <a:rPr lang="en-US" sz="2000" dirty="0"/>
+              <a:t> </a:t>
+            </a:r>
+            <a:r>
+              <a:rPr lang="en-US" sz="2000" dirty="0" err="1"/>
+              <a:t>organización</a:t>
+            </a:r>
+            <a:r>
+              <a:rPr lang="en-US" sz="2000" dirty="0"/>
+              <a:t> del </a:t>
+            </a:r>
+            <a:r>
+              <a:rPr lang="en-US" sz="2000" dirty="0" err="1"/>
+              <a:t>tiempo</a:t>
+            </a:r>
             <a:endParaRPr lang="en-US" sz="2000" dirty="0"/>
           </a:p>
         </p:txBody>
@@ -7532,15 +7636,10 @@
                             </p:stCondLst>
                             <p:childTnLst>
                               <p:par>
-                                <p:cTn id="5" presetID="1" presetClass="entr" presetSubtype="0" fill="hold" nodeType="clickEffect" nodePh="1">
+                                <p:cTn id="5" presetID="1" presetClass="entr" presetSubtype="0" fill="hold" nodeType="clickEffect">
                                   <p:stCondLst>
                                     <p:cond delay="0"/>
                                   </p:stCondLst>
-                                  <p:endCondLst>
-                                    <p:cond evt="begin" delay="0">
-                                      <p:tn val="5"/>
-                                    </p:cond>
-                                  </p:endCondLst>
                                   <p:childTnLst>
                                     <p:set>
                                       <p:cBhvr>
@@ -7553,6 +7652,55 @@
                                           <p:spTgt spid="3">
                                             <p:txEl>
                                               <p:pRg st="0" end="0"/>
+                                            </p:txEl>
+                                          </p:spTgt>
+                                        </p:tgtEl>
+                                        <p:attrNameLst>
+                                          <p:attrName>style.visibility</p:attrName>
+                                        </p:attrNameLst>
+                                      </p:cBhvr>
+                                      <p:to>
+                                        <p:strVal val="visible"/>
+                                      </p:to>
+                                    </p:set>
+                                  </p:childTnLst>
+                                </p:cTn>
+                              </p:par>
+                            </p:childTnLst>
+                          </p:cTn>
+                        </p:par>
+                      </p:childTnLst>
+                    </p:cTn>
+                  </p:par>
+                  <p:par>
+                    <p:cTn id="7" fill="hold">
+                      <p:stCondLst>
+                        <p:cond delay="indefinite"/>
+                      </p:stCondLst>
+                      <p:childTnLst>
+                        <p:par>
+                          <p:cTn id="8" fill="hold">
+                            <p:stCondLst>
+                              <p:cond delay="0"/>
+                            </p:stCondLst>
+                            <p:childTnLst>
+                              <p:par>
+                                <p:cTn id="9" presetID="1" presetClass="entr" presetSubtype="0" fill="hold" nodeType="clickEffect">
+                                  <p:stCondLst>
+                                    <p:cond delay="0"/>
+                                  </p:stCondLst>
+                                  <p:childTnLst>
+                                    <p:set>
+                                      <p:cBhvr>
+                                        <p:cTn id="10" dur="1" fill="hold">
+                                          <p:stCondLst>
+                                            <p:cond delay="0"/>
+                                          </p:stCondLst>
+                                        </p:cTn>
+                                        <p:tgtEl>
+                                          <p:spTgt spid="3">
+                                            <p:txEl>
+                                              <p:pRg st="1" end="1"/>
                                             </p:txEl>
                                           </p:spTgt>
                                         </p:tgtEl>
